--- a/فازی/erae-fazi - Copy.pptx
+++ b/فازی/erae-fazi - Copy.pptx
@@ -343,7 +343,7 @@
           <a:p>
             <a:fld id="{544E5251-C9F1-43FA-8089-0D0D8A3D1DFB}" type="datetimeFigureOut">
               <a:rPr lang="en-US" smtClean="0"/>
-              <a:t>2023-12-29</a:t>
+              <a:t>12/30/2023</a:t>
             </a:fld>
             <a:endParaRPr lang="en-US"/>
           </a:p>
@@ -779,7 +779,7 @@
           <a:p>
             <a:fld id="{544E5251-C9F1-43FA-8089-0D0D8A3D1DFB}" type="datetimeFigureOut">
               <a:rPr lang="en-US" smtClean="0"/>
-              <a:t>2023-12-29</a:t>
+              <a:t>12/30/2023</a:t>
             </a:fld>
             <a:endParaRPr lang="en-US"/>
           </a:p>
@@ -1029,7 +1029,7 @@
           <a:p>
             <a:fld id="{544E5251-C9F1-43FA-8089-0D0D8A3D1DFB}" type="datetimeFigureOut">
               <a:rPr lang="en-US" smtClean="0"/>
-              <a:t>2023-12-29</a:t>
+              <a:t>12/30/2023</a:t>
             </a:fld>
             <a:endParaRPr lang="en-US"/>
           </a:p>
@@ -1337,7 +1337,7 @@
           <a:p>
             <a:fld id="{544E5251-C9F1-43FA-8089-0D0D8A3D1DFB}" type="datetimeFigureOut">
               <a:rPr lang="en-US" smtClean="0"/>
-              <a:t>2023-12-29</a:t>
+              <a:t>12/30/2023</a:t>
             </a:fld>
             <a:endParaRPr lang="en-US"/>
           </a:p>
@@ -1655,7 +1655,7 @@
           <a:p>
             <a:fld id="{544E5251-C9F1-43FA-8089-0D0D8A3D1DFB}" type="datetimeFigureOut">
               <a:rPr lang="en-US" smtClean="0"/>
-              <a:t>2023-12-29</a:t>
+              <a:t>12/30/2023</a:t>
             </a:fld>
             <a:endParaRPr lang="en-US"/>
           </a:p>
@@ -1957,7 +1957,7 @@
           <a:p>
             <a:fld id="{544E5251-C9F1-43FA-8089-0D0D8A3D1DFB}" type="datetimeFigureOut">
               <a:rPr lang="en-US" smtClean="0"/>
-              <a:t>2023-12-29</a:t>
+              <a:t>12/30/2023</a:t>
             </a:fld>
             <a:endParaRPr lang="en-US"/>
           </a:p>
@@ -2324,7 +2324,7 @@
           <a:p>
             <a:fld id="{544E5251-C9F1-43FA-8089-0D0D8A3D1DFB}" type="datetimeFigureOut">
               <a:rPr lang="en-US" smtClean="0"/>
-              <a:t>2023-12-29</a:t>
+              <a:t>12/30/2023</a:t>
             </a:fld>
             <a:endParaRPr lang="en-US"/>
           </a:p>
@@ -2498,7 +2498,7 @@
           <a:p>
             <a:fld id="{544E5251-C9F1-43FA-8089-0D0D8A3D1DFB}" type="datetimeFigureOut">
               <a:rPr lang="en-US" smtClean="0"/>
-              <a:t>2023-12-29</a:t>
+              <a:t>12/30/2023</a:t>
             </a:fld>
             <a:endParaRPr lang="en-US"/>
           </a:p>
@@ -2678,7 +2678,7 @@
           <a:p>
             <a:fld id="{544E5251-C9F1-43FA-8089-0D0D8A3D1DFB}" type="datetimeFigureOut">
               <a:rPr lang="en-US" smtClean="0"/>
-              <a:t>2023-12-29</a:t>
+              <a:t>12/30/2023</a:t>
             </a:fld>
             <a:endParaRPr lang="en-US"/>
           </a:p>
@@ -2848,7 +2848,7 @@
           <a:p>
             <a:fld id="{544E5251-C9F1-43FA-8089-0D0D8A3D1DFB}" type="datetimeFigureOut">
               <a:rPr lang="en-US" smtClean="0"/>
-              <a:t>2023-12-29</a:t>
+              <a:t>12/30/2023</a:t>
             </a:fld>
             <a:endParaRPr lang="en-US"/>
           </a:p>
@@ -3098,7 +3098,7 @@
           <a:p>
             <a:fld id="{544E5251-C9F1-43FA-8089-0D0D8A3D1DFB}" type="datetimeFigureOut">
               <a:rPr lang="en-US" smtClean="0"/>
-              <a:t>2023-12-29</a:t>
+              <a:t>12/30/2023</a:t>
             </a:fld>
             <a:endParaRPr lang="en-US"/>
           </a:p>
@@ -3334,7 +3334,7 @@
           <a:p>
             <a:fld id="{544E5251-C9F1-43FA-8089-0D0D8A3D1DFB}" type="datetimeFigureOut">
               <a:rPr lang="en-US" smtClean="0"/>
-              <a:t>2023-12-29</a:t>
+              <a:t>12/30/2023</a:t>
             </a:fld>
             <a:endParaRPr lang="en-US"/>
           </a:p>
@@ -3716,7 +3716,7 @@
           <a:p>
             <a:fld id="{544E5251-C9F1-43FA-8089-0D0D8A3D1DFB}" type="datetimeFigureOut">
               <a:rPr lang="en-US" smtClean="0"/>
-              <a:t>2023-12-29</a:t>
+              <a:t>12/30/2023</a:t>
             </a:fld>
             <a:endParaRPr lang="en-US"/>
           </a:p>
@@ -3834,7 +3834,7 @@
           <a:p>
             <a:fld id="{544E5251-C9F1-43FA-8089-0D0D8A3D1DFB}" type="datetimeFigureOut">
               <a:rPr lang="en-US" smtClean="0"/>
-              <a:t>2023-12-29</a:t>
+              <a:t>12/30/2023</a:t>
             </a:fld>
             <a:endParaRPr lang="en-US"/>
           </a:p>
@@ -3929,7 +3929,7 @@
           <a:p>
             <a:fld id="{544E5251-C9F1-43FA-8089-0D0D8A3D1DFB}" type="datetimeFigureOut">
               <a:rPr lang="en-US" smtClean="0"/>
-              <a:t>2023-12-29</a:t>
+              <a:t>12/30/2023</a:t>
             </a:fld>
             <a:endParaRPr lang="en-US"/>
           </a:p>
@@ -4184,7 +4184,7 @@
           <a:p>
             <a:fld id="{544E5251-C9F1-43FA-8089-0D0D8A3D1DFB}" type="datetimeFigureOut">
               <a:rPr lang="en-US" smtClean="0"/>
-              <a:t>2023-12-29</a:t>
+              <a:t>12/30/2023</a:t>
             </a:fld>
             <a:endParaRPr lang="en-US"/>
           </a:p>
@@ -4467,7 +4467,7 @@
           <a:p>
             <a:fld id="{544E5251-C9F1-43FA-8089-0D0D8A3D1DFB}" type="datetimeFigureOut">
               <a:rPr lang="en-US" smtClean="0"/>
-              <a:t>2023-12-29</a:t>
+              <a:t>12/30/2023</a:t>
             </a:fld>
             <a:endParaRPr lang="en-US"/>
           </a:p>
@@ -4873,7 +4873,7 @@
           <a:p>
             <a:fld id="{544E5251-C9F1-43FA-8089-0D0D8A3D1DFB}" type="datetimeFigureOut">
               <a:rPr lang="en-US" smtClean="0"/>
-              <a:t>2023-12-29</a:t>
+              <a:t>12/30/2023</a:t>
             </a:fld>
             <a:endParaRPr lang="en-US"/>
           </a:p>
@@ -7116,23 +7116,8 @@
                 <a:ea typeface="Times New Roman" panose="02020603050405020304" pitchFamily="18" charset="0"/>
                 <a:cs typeface="B Mitra" panose="00000400000000000000" pitchFamily="2" charset="-78"/>
               </a:rPr>
-              <a:t>نویسندگان ثابت کردند که قوانین منطق فازی برای کارهای تشخیصی ضروری هستند. توابعی از مقادیر شتاب ارتعاش در فرکانس های مختلف چرخش شفت وجود دارد. نمونه ای از عملکرد سیستم تشخیص و نظارت ارتعاش با استفاده از منطق فازی ارائه شده است. نویسندگان ثابت می کنند که استفاده از الگوریتم های مبتنی بر منطق فازی اجازه می دهد تا به مرحله بعدی در توسعه سیستم تشخیص ارتعاش برویم</a:t>
-            </a:r>
-            <a:r>
-              <a:rPr lang="en-US" dirty="0">
-                <a:solidFill>
-                  <a:schemeClr val="bg1"/>
-                </a:solidFill>
-                <a:effectLst/>
-                <a:latin typeface="Times New Roman" panose="02020603050405020304" pitchFamily="18" charset="0"/>
-                <a:ea typeface="Times New Roman" panose="02020603050405020304" pitchFamily="18" charset="0"/>
-                <a:cs typeface="B Mitra" panose="00000400000000000000" pitchFamily="2" charset="-78"/>
-              </a:rPr>
-              <a:t>.</a:t>
-            </a:r>
-          </a:p>
-          <a:p>
-            <a:pPr algn="r" rtl="1"/>
+              <a:t>نویسندگان ثابت کردند که قوانین منطق فازی برای کارهای تشخیصی ضروری هستند. توابعی از مقادیر شتاب ارتعاش در فرکانس های مختلف چرخش شفت وجود دارد.</a:t>
+            </a:r>
             <a:endParaRPr lang="en-US" dirty="0">
               <a:solidFill>
                 <a:schemeClr val="bg1"/>
@@ -7271,10 +7256,22 @@
                 <a:ea typeface="Times New Roman" panose="02020603050405020304" pitchFamily="18" charset="0"/>
                 <a:cs typeface="B Mitra" panose="00000400000000000000" pitchFamily="2" charset="-78"/>
               </a:rPr>
-              <a:t>تشخیص عیب در تجهیزات صنعتی حیاتی است و برای این منظور از وسایل عیب یابی فنی استفاده می‌شود. تشخیص کارآمد اجازه می‌دهد تا به سمت تعمیر و نگهداری تجهیزات بر اساس شرایط حرکت کنیم. مجموعه‌های بلبرینگ در معرض بارهای دینامیکی بالایی هستند و عملکرد تاسیسات به شرایط آنها بستگی دارد. برای بهبود سیستم‌های تشخیصی با افزایش قابلیت اطمینان تشخیصی با حداقل هزینه برای آزمایش آنها، نیاز به کار فوری وجود دارد. در گذشته، تشخیص در محل قطعات چرخان ماشین‌آلات به صورت دستی یا شنیداری انجام می‌شد. با پیشرفت علمی و ظهور ماشین‌های محاسباتی، تشخیص ارتعاش آغاز شد. در دهه‌های گذشته، سیستم‌های تشخیصی جدیدی ظاهر شده‌اند که پارامترهای ارتعاش را اندازه‌گیری کرده و با مقادیر بحرانی مقایسه می‌کنند تا وضعیت واحد را تعیین کنند</a:t>
-            </a:r>
-            <a:r>
-              <a:rPr lang="en-US" dirty="0">
+              <a:t>تشخیص عیب در تجهیزات صنعتی حیاتی است و برای این منظور از وسایل عیب یابی فنی استفاده می‌شود. تشخیص کارآمد اجازه می‌دهد تا به سمت تعمیر و نگهداری تجهیزات بر اساس شرایط حرکت کنیم</a:t>
+            </a:r>
+            <a:endParaRPr lang="en-US" dirty="0">
+              <a:solidFill>
+                <a:schemeClr val="bg1"/>
+              </a:solidFill>
+              <a:effectLst/>
+              <a:latin typeface="Times New Roman" panose="02020603050405020304" pitchFamily="18" charset="0"/>
+              <a:ea typeface="Times New Roman" panose="02020603050405020304" pitchFamily="18" charset="0"/>
+              <a:cs typeface="B Mitra" panose="00000400000000000000" pitchFamily="2" charset="-78"/>
+            </a:endParaRPr>
+          </a:p>
+          <a:p>
+            <a:pPr algn="r" rtl="1"/>
+            <a:r>
+              <a:rPr lang="ar-SA" dirty="0">
                 <a:solidFill>
                   <a:schemeClr val="bg1"/>
                 </a:solidFill>
@@ -7283,11 +7280,44 @@
                 <a:ea typeface="Times New Roman" panose="02020603050405020304" pitchFamily="18" charset="0"/>
                 <a:cs typeface="B Mitra" panose="00000400000000000000" pitchFamily="2" charset="-78"/>
               </a:rPr>
+              <a:t>برای بهبود سیستم‌های تشخیصی با افزایش قابلیت اطمینان تشخیصی با حداقل هزینه برای آزمایش آنها، نیاز به کار فوری وجود دارد. در گذشته، تشخیص در محل قطعات چرخان ماشین‌آلات به صورت دستی یا شنیداری انجام می‌شد. </a:t>
+            </a:r>
+            <a:endParaRPr lang="en-US" dirty="0">
+              <a:solidFill>
+                <a:schemeClr val="bg1"/>
+              </a:solidFill>
+              <a:effectLst/>
+              <a:latin typeface="Times New Roman" panose="02020603050405020304" pitchFamily="18" charset="0"/>
+              <a:ea typeface="Times New Roman" panose="02020603050405020304" pitchFamily="18" charset="0"/>
+              <a:cs typeface="B Mitra" panose="00000400000000000000" pitchFamily="2" charset="-78"/>
+            </a:endParaRPr>
+          </a:p>
+          <a:p>
+            <a:pPr algn="r" rtl="1"/>
+            <a:r>
+              <a:rPr lang="ar-SA" dirty="0">
+                <a:solidFill>
+                  <a:schemeClr val="bg1"/>
+                </a:solidFill>
+                <a:effectLst/>
+                <a:latin typeface="Times New Roman" panose="02020603050405020304" pitchFamily="18" charset="0"/>
+                <a:ea typeface="Times New Roman" panose="02020603050405020304" pitchFamily="18" charset="0"/>
+                <a:cs typeface="B Mitra" panose="00000400000000000000" pitchFamily="2" charset="-78"/>
+              </a:rPr>
+              <a:t>با پیشرفت علمی و ظهور ماشین‌های محاسباتی، تشخیص ارتعاش آغاز شد</a:t>
+            </a:r>
+            <a:r>
+              <a:rPr lang="en-US" dirty="0">
+                <a:solidFill>
+                  <a:schemeClr val="bg1"/>
+                </a:solidFill>
+                <a:effectLst/>
+                <a:latin typeface="Times New Roman" panose="02020603050405020304" pitchFamily="18" charset="0"/>
+                <a:ea typeface="Times New Roman" panose="02020603050405020304" pitchFamily="18" charset="0"/>
+                <a:cs typeface="B Mitra" panose="00000400000000000000" pitchFamily="2" charset="-78"/>
+              </a:rPr>
               <a:t>.</a:t>
             </a:r>
-          </a:p>
-          <a:p>
-            <a:pPr algn="r" rtl="1"/>
             <a:endParaRPr lang="en-US" dirty="0">
               <a:solidFill>
                 <a:schemeClr val="bg1"/>
@@ -7581,10 +7611,22 @@
                 <a:ea typeface="Times New Roman" panose="02020603050405020304" pitchFamily="18" charset="0"/>
                 <a:cs typeface="B Mitra" panose="00000400000000000000" pitchFamily="2" charset="-78"/>
               </a:rPr>
-              <a:t>مرحله بعدی تشخیص ارتعاش با پیشرفت علمی و ظهور ماشین‌های محاسباتی ارتباط دارد. سیستم‌های تشخیصی جدیدی که پارامترهای ارتعاش را اندازه‌گیری و با مقادیر بحرانی مقایسه می‌کنند، در دهه‌های گذشته ظاهر شده‌اند. این سیستم‌ها نیاز به ابزارها و مدل‌های ریاضی پیشرفته‌تر دارند. ایجاد مدل کامل ریاضی عملکرد واحد تشخیص داده شده به دلیل تعداد زیاد اتصالات، سخت است. توسعه ویژگی‌های تطبیقی سیستم‌های تشخیصی تنها با استفاده از الگوریتم‌های منطق فازی امکان‌پذیر است. هدف این مقاله تعیین امکان استفاده از ابزارهای منطق فازی برای اهداف تشخیصی است</a:t>
-            </a:r>
-            <a:r>
-              <a:rPr lang="en-US" dirty="0">
+              <a:t>مرحله بعدی تشخیص ارتعاش با پیشرفت علمی و ظهور ماشین‌های محاسباتی ارتباط دارد. سیستم‌های تشخیصی جدیدی که پارامترهای ارتعاش را اندازه‌گیری و با مقادیر بحرانی مقایسه می‌کنند، در دهه‌های گذشته ظاهر شده‌اند.</a:t>
+            </a:r>
+            <a:endParaRPr lang="en-US" dirty="0">
+              <a:solidFill>
+                <a:schemeClr val="bg1"/>
+              </a:solidFill>
+              <a:effectLst/>
+              <a:latin typeface="Times New Roman" panose="02020603050405020304" pitchFamily="18" charset="0"/>
+              <a:ea typeface="Times New Roman" panose="02020603050405020304" pitchFamily="18" charset="0"/>
+              <a:cs typeface="B Mitra" panose="00000400000000000000" pitchFamily="2" charset="-78"/>
+            </a:endParaRPr>
+          </a:p>
+          <a:p>
+            <a:pPr algn="r" rtl="1"/>
+            <a:r>
+              <a:rPr lang="ar-SA" dirty="0">
                 <a:solidFill>
                   <a:schemeClr val="bg1"/>
                 </a:solidFill>
@@ -7593,8 +7635,17 @@
                 <a:ea typeface="Times New Roman" panose="02020603050405020304" pitchFamily="18" charset="0"/>
                 <a:cs typeface="B Mitra" panose="00000400000000000000" pitchFamily="2" charset="-78"/>
               </a:rPr>
-              <a:t>.</a:t>
-            </a:r>
+              <a:t>این سیستم‌ها نیاز به ابزارها و مدل‌های ریاضی پیشرفته‌تر دارند. ایجاد مدل کامل ریاضی عملکرد واحد تشخیص داده شده به دلیل تعداد زیاد اتصالات، سخت است. توسعه ویژگی‌های تطبیقی سیستم‌های تشخیصی تنها با استفاده از الگوریتم‌های منطق فازی امکان‌پذیر است</a:t>
+            </a:r>
+            <a:endParaRPr lang="en-US" dirty="0">
+              <a:solidFill>
+                <a:schemeClr val="bg1"/>
+              </a:solidFill>
+              <a:effectLst/>
+              <a:latin typeface="Times New Roman" panose="02020603050405020304" pitchFamily="18" charset="0"/>
+              <a:ea typeface="Times New Roman" panose="02020603050405020304" pitchFamily="18" charset="0"/>
+              <a:cs typeface="B Mitra" panose="00000400000000000000" pitchFamily="2" charset="-78"/>
+            </a:endParaRPr>
           </a:p>
           <a:p>
             <a:pPr algn="r" rtl="1"/>
@@ -7696,7 +7747,31 @@
                 <a:ea typeface="Calibri" panose="020F0502020204030204" pitchFamily="34" charset="0"/>
                 <a:cs typeface="B Mitra" panose="00000400000000000000" pitchFamily="2" charset="-78"/>
               </a:rPr>
-              <a:t>منطق فازی، سیستمی است که عدم قطعیت را با منطق کلاسیک ترکیب می‌کند. این سیستم اجازه می‌دهد تا مفاهیم غیردقیق و دانش ما را در مورد جهان اطراف توصیف کنیم. ایده اصلی سیستم‌های کنترل با استفاده از منطق فازی، ادغام تجربه خبره در سیستم کنترل کننده فرآیند پویا است. در این سیستم‌ها، روابط پیچیده بین ورودی و خروجی فرآیندهای پویا با قوانین منطق فازی و با استفاده از متغیرهای زبانی توصیف می‌شود. استفاده از متغیرهای زبانی، قواعد و پایین بودن منطق فازی، و استدلال تقریبی، امکان ادغام تجربه خبره را در طرح کنترل توسعه‌یافته فراهم می‌کند.</a:t>
+              <a:t>منطق فازی، سیستمی است که عدم قطعیت را با منطق کلاسیک ترکیب می‌کند. این سیستم اجازه می‌دهد تا مفاهیم غیردقیق و دانش ما را در مورد جهان اطراف توصیف کنیم. </a:t>
+            </a:r>
+            <a:endParaRPr lang="en-US" dirty="0">
+              <a:solidFill>
+                <a:schemeClr val="bg1"/>
+              </a:solidFill>
+              <a:effectLst/>
+              <a:latin typeface="Calibri" panose="020F0502020204030204" pitchFamily="34" charset="0"/>
+              <a:ea typeface="Calibri" panose="020F0502020204030204" pitchFamily="34" charset="0"/>
+              <a:cs typeface="B Mitra" panose="00000400000000000000" pitchFamily="2" charset="-78"/>
+            </a:endParaRPr>
+          </a:p>
+          <a:p>
+            <a:pPr algn="r" rtl="1"/>
+            <a:r>
+              <a:rPr lang="ar-SA" dirty="0">
+                <a:solidFill>
+                  <a:schemeClr val="bg1"/>
+                </a:solidFill>
+                <a:effectLst/>
+                <a:latin typeface="Calibri" panose="020F0502020204030204" pitchFamily="34" charset="0"/>
+                <a:ea typeface="Calibri" panose="020F0502020204030204" pitchFamily="34" charset="0"/>
+                <a:cs typeface="B Mitra" panose="00000400000000000000" pitchFamily="2" charset="-78"/>
+              </a:rPr>
+              <a:t>در این سیستم‌ها، روابط پیچیده بین ورودی و خروجی فرآیندهای پویا با قوانین منطق فازی و با استفاده از متغیرهای زبانی توصیف می‌شود. استفاده از متغیرهای زبانی، قواعد و پایین بودن منطق فازی، و استدلال تقریبی، امکان ادغام تجربه خبره را در طرح کنترل توسعه‌یافته فراهم می‌کند.</a:t>
             </a:r>
             <a:endParaRPr lang="en-US" dirty="0">
               <a:solidFill>
@@ -7904,7 +7979,31 @@
                 <a:ea typeface="Calibri" panose="020F0502020204030204" pitchFamily="34" charset="0"/>
                 <a:cs typeface="B Mitra" panose="00000400000000000000" pitchFamily="2" charset="-78"/>
               </a:rPr>
-              <a:t> است، مفید است. با این حال، باید توجه داشت که آزمایش‌های با فرکانس بالا ممکن است هزینه‌های اضافی داشته باشند، از جمله افزایش مصرف انرژی، زمان، منابع و غیره. همچنین، این آزمایش‌ها ممکن است سطح ایمنی را در طول فرآیند تشخیص کاهش دهند. بنابراین، تصمیم گیری در مورد انتخاب بین حالت‌های مختلف سرعت می‌تواند چالش برانگیز باشد. در نهایت، استفاده از منطق فازی باید با توجه به مزایا و معایب خود، و همچنین نیازها و منابع موجود، انجام شود.</a:t>
+              <a:t> است، مفید است</a:t>
+            </a:r>
+            <a:endParaRPr lang="en-US" dirty="0">
+              <a:solidFill>
+                <a:schemeClr val="bg1"/>
+              </a:solidFill>
+              <a:effectLst/>
+              <a:latin typeface="Calibri" panose="020F0502020204030204" pitchFamily="34" charset="0"/>
+              <a:ea typeface="Calibri" panose="020F0502020204030204" pitchFamily="34" charset="0"/>
+              <a:cs typeface="B Mitra" panose="00000400000000000000" pitchFamily="2" charset="-78"/>
+            </a:endParaRPr>
+          </a:p>
+          <a:p>
+            <a:pPr algn="r" rtl="1"/>
+            <a:r>
+              <a:rPr lang="ar-SA" dirty="0">
+                <a:solidFill>
+                  <a:schemeClr val="bg1"/>
+                </a:solidFill>
+                <a:effectLst/>
+                <a:latin typeface="Calibri" panose="020F0502020204030204" pitchFamily="34" charset="0"/>
+                <a:ea typeface="Calibri" panose="020F0502020204030204" pitchFamily="34" charset="0"/>
+                <a:cs typeface="B Mitra" panose="00000400000000000000" pitchFamily="2" charset="-78"/>
+              </a:rPr>
+              <a:t>بنابراین، تصمیم گیری در مورد انتخاب بین حالت‌های مختلف سرعت می‌تواند چالش برانگیز باشد. در نهایت، استفاده از منطق فازی باید با توجه به مزایا و معایب خود، و همچنین نیازها و منابع موجود، انجام شود.</a:t>
             </a:r>
             <a:endParaRPr lang="en-US" dirty="0">
               <a:solidFill>
